--- a/updates/update8.pptx
+++ b/updates/update8.pptx
@@ -201,7 +201,7 @@
           <a:p>
             <a:fld id="{9FE3C16F-5917-CB4A-9766-432F9F6484BE}" type="datetimeFigureOut">
               <a:rPr lang="en-US" smtClean="0"/>
-              <a:t>4/20/22</a:t>
+              <a:t>4/21/22</a:t>
             </a:fld>
             <a:endParaRPr lang="en-US" dirty="0"/>
           </a:p>
@@ -468,6 +468,323 @@
 </p:notesMaster>
 </file>
 
+<file path=ppt/notesSlides/notesSlide1.xml><?xml version="1.0" encoding="utf-8"?>
+<p:notes xmlns:a="http://schemas.openxmlformats.org/drawingml/2006/main" xmlns:r="http://schemas.openxmlformats.org/officeDocument/2006/relationships" xmlns:p="http://schemas.openxmlformats.org/presentationml/2006/main">
+  <p:cSld>
+    <p:spTree>
+      <p:nvGrpSpPr>
+        <p:cNvPr id="1" name=""/>
+        <p:cNvGrpSpPr/>
+        <p:nvPr/>
+      </p:nvGrpSpPr>
+      <p:grpSpPr>
+        <a:xfrm>
+          <a:off x="0" y="0"/>
+          <a:ext cx="0" cy="0"/>
+          <a:chOff x="0" y="0"/>
+          <a:chExt cx="0" cy="0"/>
+        </a:xfrm>
+      </p:grpSpPr>
+      <p:sp>
+        <p:nvSpPr>
+          <p:cNvPr id="2" name="Slide Image Placeholder 1"/>
+          <p:cNvSpPr>
+            <a:spLocks noGrp="1" noRot="1" noChangeAspect="1"/>
+          </p:cNvSpPr>
+          <p:nvPr>
+            <p:ph type="sldImg"/>
+          </p:nvPr>
+        </p:nvSpPr>
+        <p:spPr/>
+      </p:sp>
+      <p:sp>
+        <p:nvSpPr>
+          <p:cNvPr id="3" name="Notes Placeholder 2"/>
+          <p:cNvSpPr>
+            <a:spLocks noGrp="1"/>
+          </p:cNvSpPr>
+          <p:nvPr>
+            <p:ph type="body" idx="1"/>
+          </p:nvPr>
+        </p:nvSpPr>
+        <p:spPr/>
+        <p:txBody>
+          <a:bodyPr/>
+          <a:lstStyle/>
+          <a:p>
+            <a:pPr marL="171450" indent="-171450">
+              <a:buFontTx/>
+              <a:buChar char="-"/>
+            </a:pPr>
+            <a:r>
+              <a:rPr lang="en-US" dirty="0"/>
+              <a:t>No articles, moving avg of last week </a:t>
+            </a:r>
+          </a:p>
+          <a:p>
+            <a:pPr marL="171450" indent="-171450">
+              <a:buFontTx/>
+              <a:buChar char="-"/>
+            </a:pPr>
+            <a:endParaRPr lang="en-US" dirty="0"/>
+          </a:p>
+        </p:txBody>
+      </p:sp>
+      <p:sp>
+        <p:nvSpPr>
+          <p:cNvPr id="4" name="Slide Number Placeholder 3"/>
+          <p:cNvSpPr>
+            <a:spLocks noGrp="1"/>
+          </p:cNvSpPr>
+          <p:nvPr>
+            <p:ph type="sldNum" sz="quarter" idx="5"/>
+          </p:nvPr>
+        </p:nvSpPr>
+        <p:spPr/>
+        <p:txBody>
+          <a:bodyPr/>
+          <a:lstStyle/>
+          <a:p>
+            <a:fld id="{26550C6F-A1CF-C841-93A6-DE7EF9B4AD43}" type="slidenum">
+              <a:rPr lang="en-US" smtClean="0"/>
+              <a:t>3</a:t>
+            </a:fld>
+            <a:endParaRPr lang="en-US" dirty="0"/>
+          </a:p>
+        </p:txBody>
+      </p:sp>
+    </p:spTree>
+    <p:extLst>
+      <p:ext uri="{BB962C8B-B14F-4D97-AF65-F5344CB8AC3E}">
+        <p14:creationId xmlns:p14="http://schemas.microsoft.com/office/powerpoint/2010/main" val="997063862"/>
+      </p:ext>
+    </p:extLst>
+  </p:cSld>
+  <p:clrMapOvr>
+    <a:masterClrMapping/>
+  </p:clrMapOvr>
+</p:notes>
+</file>
+
+<file path=ppt/notesSlides/notesSlide2.xml><?xml version="1.0" encoding="utf-8"?>
+<p:notes xmlns:a="http://schemas.openxmlformats.org/drawingml/2006/main" xmlns:r="http://schemas.openxmlformats.org/officeDocument/2006/relationships" xmlns:p="http://schemas.openxmlformats.org/presentationml/2006/main">
+  <p:cSld>
+    <p:spTree>
+      <p:nvGrpSpPr>
+        <p:cNvPr id="1" name=""/>
+        <p:cNvGrpSpPr/>
+        <p:nvPr/>
+      </p:nvGrpSpPr>
+      <p:grpSpPr>
+        <a:xfrm>
+          <a:off x="0" y="0"/>
+          <a:ext cx="0" cy="0"/>
+          <a:chOff x="0" y="0"/>
+          <a:chExt cx="0" cy="0"/>
+        </a:xfrm>
+      </p:grpSpPr>
+      <p:sp>
+        <p:nvSpPr>
+          <p:cNvPr id="2" name="Slide Image Placeholder 1"/>
+          <p:cNvSpPr>
+            <a:spLocks noGrp="1" noRot="1" noChangeAspect="1"/>
+          </p:cNvSpPr>
+          <p:nvPr>
+            <p:ph type="sldImg"/>
+          </p:nvPr>
+        </p:nvSpPr>
+        <p:spPr/>
+      </p:sp>
+      <p:sp>
+        <p:nvSpPr>
+          <p:cNvPr id="3" name="Notes Placeholder 2"/>
+          <p:cNvSpPr>
+            <a:spLocks noGrp="1"/>
+          </p:cNvSpPr>
+          <p:nvPr>
+            <p:ph type="body" idx="1"/>
+          </p:nvPr>
+        </p:nvSpPr>
+        <p:spPr/>
+        <p:txBody>
+          <a:bodyPr/>
+          <a:lstStyle/>
+          <a:p>
+            <a:pPr marL="171450" indent="-171450">
+              <a:buFontTx/>
+              <a:buChar char="-"/>
+            </a:pPr>
+            <a:r>
+              <a:rPr lang="en-US" dirty="0"/>
+              <a:t>Quantile similar to long short</a:t>
+            </a:r>
+          </a:p>
+          <a:p>
+            <a:pPr marL="171450" indent="-171450">
+              <a:buFontTx/>
+              <a:buChar char="-"/>
+            </a:pPr>
+            <a:r>
+              <a:rPr lang="en-US" dirty="0"/>
+              <a:t>Factor weighted more $ in higher sentiment (factor value / abs(sum(all factor values)))</a:t>
+            </a:r>
+          </a:p>
+          <a:p>
+            <a:pPr marL="171450" indent="-171450">
+              <a:buFontTx/>
+              <a:buChar char="-"/>
+            </a:pPr>
+            <a:r>
+              <a:rPr lang="en-US" dirty="0"/>
+              <a:t>Order: can do it individually, or composites/blended (use priors)</a:t>
+            </a:r>
+          </a:p>
+        </p:txBody>
+      </p:sp>
+      <p:sp>
+        <p:nvSpPr>
+          <p:cNvPr id="4" name="Slide Number Placeholder 3"/>
+          <p:cNvSpPr>
+            <a:spLocks noGrp="1"/>
+          </p:cNvSpPr>
+          <p:nvPr>
+            <p:ph type="sldNum" sz="quarter" idx="5"/>
+          </p:nvPr>
+        </p:nvSpPr>
+        <p:spPr/>
+        <p:txBody>
+          <a:bodyPr/>
+          <a:lstStyle/>
+          <a:p>
+            <a:fld id="{26550C6F-A1CF-C841-93A6-DE7EF9B4AD43}" type="slidenum">
+              <a:rPr lang="en-US" smtClean="0"/>
+              <a:t>4</a:t>
+            </a:fld>
+            <a:endParaRPr lang="en-US" dirty="0"/>
+          </a:p>
+        </p:txBody>
+      </p:sp>
+    </p:spTree>
+    <p:extLst>
+      <p:ext uri="{BB962C8B-B14F-4D97-AF65-F5344CB8AC3E}">
+        <p14:creationId xmlns:p14="http://schemas.microsoft.com/office/powerpoint/2010/main" val="1833800238"/>
+      </p:ext>
+    </p:extLst>
+  </p:cSld>
+  <p:clrMapOvr>
+    <a:masterClrMapping/>
+  </p:clrMapOvr>
+</p:notes>
+</file>
+
+<file path=ppt/notesSlides/notesSlide3.xml><?xml version="1.0" encoding="utf-8"?>
+<p:notes xmlns:a="http://schemas.openxmlformats.org/drawingml/2006/main" xmlns:r="http://schemas.openxmlformats.org/officeDocument/2006/relationships" xmlns:p="http://schemas.openxmlformats.org/presentationml/2006/main">
+  <p:cSld>
+    <p:spTree>
+      <p:nvGrpSpPr>
+        <p:cNvPr id="1" name=""/>
+        <p:cNvGrpSpPr/>
+        <p:nvPr/>
+      </p:nvGrpSpPr>
+      <p:grpSpPr>
+        <a:xfrm>
+          <a:off x="0" y="0"/>
+          <a:ext cx="0" cy="0"/>
+          <a:chOff x="0" y="0"/>
+          <a:chExt cx="0" cy="0"/>
+        </a:xfrm>
+      </p:grpSpPr>
+      <p:sp>
+        <p:nvSpPr>
+          <p:cNvPr id="2" name="Slide Image Placeholder 1"/>
+          <p:cNvSpPr>
+            <a:spLocks noGrp="1" noRot="1" noChangeAspect="1"/>
+          </p:cNvSpPr>
+          <p:nvPr>
+            <p:ph type="sldImg"/>
+          </p:nvPr>
+        </p:nvSpPr>
+        <p:spPr/>
+      </p:sp>
+      <p:sp>
+        <p:nvSpPr>
+          <p:cNvPr id="3" name="Notes Placeholder 2"/>
+          <p:cNvSpPr>
+            <a:spLocks noGrp="1"/>
+          </p:cNvSpPr>
+          <p:nvPr>
+            <p:ph type="body" idx="1"/>
+          </p:nvPr>
+        </p:nvSpPr>
+        <p:spPr/>
+        <p:txBody>
+          <a:bodyPr/>
+          <a:lstStyle/>
+          <a:p>
+            <a:r>
+              <a:rPr lang="en-US" dirty="0"/>
+              <a:t>- Portfolios- start simple </a:t>
+            </a:r>
+          </a:p>
+          <a:p>
+            <a:pPr marL="171450" indent="-171450">
+              <a:buFontTx/>
+              <a:buChar char="-"/>
+            </a:pPr>
+            <a:r>
+              <a:rPr lang="en-US" dirty="0"/>
+              <a:t>Weekends: treat as same day</a:t>
+            </a:r>
+          </a:p>
+          <a:p>
+            <a:pPr marL="171450" indent="-171450">
+              <a:buFontTx/>
+              <a:buChar char="-"/>
+            </a:pPr>
+            <a:r>
+              <a:rPr lang="en-US"/>
+              <a:t>Explore GPUs</a:t>
+            </a:r>
+            <a:endParaRPr lang="en-US" dirty="0"/>
+          </a:p>
+        </p:txBody>
+      </p:sp>
+      <p:sp>
+        <p:nvSpPr>
+          <p:cNvPr id="4" name="Slide Number Placeholder 3"/>
+          <p:cNvSpPr>
+            <a:spLocks noGrp="1"/>
+          </p:cNvSpPr>
+          <p:nvPr>
+            <p:ph type="sldNum" sz="quarter" idx="5"/>
+          </p:nvPr>
+        </p:nvSpPr>
+        <p:spPr/>
+        <p:txBody>
+          <a:bodyPr/>
+          <a:lstStyle/>
+          <a:p>
+            <a:fld id="{26550C6F-A1CF-C841-93A6-DE7EF9B4AD43}" type="slidenum">
+              <a:rPr lang="en-US" smtClean="0"/>
+              <a:t>5</a:t>
+            </a:fld>
+            <a:endParaRPr lang="en-US" dirty="0"/>
+          </a:p>
+        </p:txBody>
+      </p:sp>
+    </p:spTree>
+    <p:extLst>
+      <p:ext uri="{BB962C8B-B14F-4D97-AF65-F5344CB8AC3E}">
+        <p14:creationId xmlns:p14="http://schemas.microsoft.com/office/powerpoint/2010/main" val="434947505"/>
+      </p:ext>
+    </p:extLst>
+  </p:cSld>
+  <p:clrMapOvr>
+    <a:masterClrMapping/>
+  </p:clrMapOvr>
+</p:notes>
+</file>
+
 <file path=ppt/slideLayouts/slideLayout1.xml><?xml version="1.0" encoding="utf-8"?>
 <p:sldLayout xmlns:a="http://schemas.openxmlformats.org/drawingml/2006/main" xmlns:r="http://schemas.openxmlformats.org/officeDocument/2006/relationships" xmlns:p="http://schemas.openxmlformats.org/presentationml/2006/main" showMasterSp="0" type="title" preserve="1">
   <p:cSld name="Title Slide">
@@ -637,7 +954,7 @@
           <a:p>
             <a:fld id="{7E98F6FC-1C7F-3744-BA49-05BDDFEFE0C0}" type="datetimeFigureOut">
               <a:rPr lang="en-US" smtClean="0"/>
-              <a:t>4/20/22</a:t>
+              <a:t>4/21/22</a:t>
             </a:fld>
             <a:endParaRPr lang="en-US" dirty="0"/>
           </a:p>
@@ -967,7 +1284,7 @@
           <a:p>
             <a:fld id="{7E98F6FC-1C7F-3744-BA49-05BDDFEFE0C0}" type="datetimeFigureOut">
               <a:rPr lang="en-US" smtClean="0"/>
-              <a:t>4/20/22</a:t>
+              <a:t>4/21/22</a:t>
             </a:fld>
             <a:endParaRPr lang="en-US" dirty="0"/>
           </a:p>
@@ -1147,7 +1464,7 @@
           <a:p>
             <a:fld id="{7E98F6FC-1C7F-3744-BA49-05BDDFEFE0C0}" type="datetimeFigureOut">
               <a:rPr lang="en-US" smtClean="0"/>
-              <a:t>4/20/22</a:t>
+              <a:t>4/21/22</a:t>
             </a:fld>
             <a:endParaRPr lang="en-US" dirty="0"/>
           </a:p>
@@ -1317,7 +1634,7 @@
           <a:p>
             <a:fld id="{7E98F6FC-1C7F-3744-BA49-05BDDFEFE0C0}" type="datetimeFigureOut">
               <a:rPr lang="en-US" smtClean="0"/>
-              <a:t>4/20/22</a:t>
+              <a:t>4/21/22</a:t>
             </a:fld>
             <a:endParaRPr lang="en-US" dirty="0"/>
           </a:p>
@@ -1594,7 +1911,7 @@
           <a:p>
             <a:fld id="{7E98F6FC-1C7F-3744-BA49-05BDDFEFE0C0}" type="datetimeFigureOut">
               <a:rPr lang="en-US" smtClean="0"/>
-              <a:t>4/20/22</a:t>
+              <a:t>4/21/22</a:t>
             </a:fld>
             <a:endParaRPr lang="en-US" dirty="0"/>
           </a:p>
@@ -1988,7 +2305,7 @@
           <a:p>
             <a:fld id="{7E98F6FC-1C7F-3744-BA49-05BDDFEFE0C0}" type="datetimeFigureOut">
               <a:rPr lang="en-US" smtClean="0"/>
-              <a:t>4/20/22</a:t>
+              <a:t>4/21/22</a:t>
             </a:fld>
             <a:endParaRPr lang="en-US" dirty="0"/>
           </a:p>
@@ -2465,7 +2782,7 @@
           <a:p>
             <a:fld id="{7E98F6FC-1C7F-3744-BA49-05BDDFEFE0C0}" type="datetimeFigureOut">
               <a:rPr lang="en-US" smtClean="0"/>
-              <a:t>4/20/22</a:t>
+              <a:t>4/21/22</a:t>
             </a:fld>
             <a:endParaRPr lang="en-US" dirty="0"/>
           </a:p>
@@ -2583,7 +2900,7 @@
           <a:p>
             <a:fld id="{7E98F6FC-1C7F-3744-BA49-05BDDFEFE0C0}" type="datetimeFigureOut">
               <a:rPr lang="en-US" smtClean="0"/>
-              <a:t>4/20/22</a:t>
+              <a:t>4/21/22</a:t>
             </a:fld>
             <a:endParaRPr lang="en-US" dirty="0"/>
           </a:p>
@@ -2678,7 +2995,7 @@
           <a:p>
             <a:fld id="{7E98F6FC-1C7F-3744-BA49-05BDDFEFE0C0}" type="datetimeFigureOut">
               <a:rPr lang="en-US" smtClean="0"/>
-              <a:t>4/20/22</a:t>
+              <a:t>4/21/22</a:t>
             </a:fld>
             <a:endParaRPr lang="en-US" dirty="0"/>
           </a:p>
@@ -3024,7 +3341,7 @@
           <a:p>
             <a:fld id="{7E98F6FC-1C7F-3744-BA49-05BDDFEFE0C0}" type="datetimeFigureOut">
               <a:rPr lang="en-US" smtClean="0"/>
-              <a:t>4/20/22</a:t>
+              <a:t>4/21/22</a:t>
             </a:fld>
             <a:endParaRPr lang="en-US" dirty="0"/>
           </a:p>
@@ -3411,7 +3728,7 @@
           <a:p>
             <a:fld id="{7E98F6FC-1C7F-3744-BA49-05BDDFEFE0C0}" type="datetimeFigureOut">
               <a:rPr lang="en-US" smtClean="0"/>
-              <a:t>4/20/22</a:t>
+              <a:t>4/21/22</a:t>
             </a:fld>
             <a:endParaRPr lang="en-US" dirty="0"/>
           </a:p>
@@ -3689,7 +4006,7 @@
           <a:p>
             <a:fld id="{7E98F6FC-1C7F-3744-BA49-05BDDFEFE0C0}" type="datetimeFigureOut">
               <a:rPr lang="en-US" smtClean="0"/>
-              <a:t>4/20/22</a:t>
+              <a:t>4/21/22</a:t>
             </a:fld>
             <a:endParaRPr lang="en-US" dirty="0"/>
           </a:p>
@@ -4600,7 +4917,7 @@
           <p:nvPr>
             <p:extLst>
               <p:ext uri="{D42A27DB-BD31-4B8C-83A1-F6EECF244321}">
-                <p14:modId xmlns:p14="http://schemas.microsoft.com/office/powerpoint/2010/main" val="391389372"/>
+                <p14:modId xmlns:p14="http://schemas.microsoft.com/office/powerpoint/2010/main" val="4179950801"/>
               </p:ext>
             </p:extLst>
           </p:nvPr>
@@ -4613,12 +4930,12 @@
           <a:graphicData uri="http://schemas.openxmlformats.org/presentationml/2006/ole">
             <mc:AlternateContent xmlns:mc="http://schemas.openxmlformats.org/markup-compatibility/2006">
               <mc:Choice xmlns:v="urn:schemas-microsoft-com:vml" Requires="v">
-                <p:oleObj spid="_x0000_s6151" name="Worksheet" showAsIcon="1" r:id="rId3" imgW="965200" imgH="609600" progId="Excel.Sheet.12">
+                <p:oleObj spid="_x0000_s6153" name="Worksheet" showAsIcon="1" r:id="rId4" imgW="965200" imgH="609600" progId="Excel.Sheet.12">
                   <p:embed/>
                 </p:oleObj>
               </mc:Choice>
               <mc:Fallback>
-                <p:oleObj name="Worksheet" showAsIcon="1" r:id="rId3" imgW="965200" imgH="609600" progId="Excel.Sheet.12">
+                <p:oleObj name="Worksheet" showAsIcon="1" r:id="rId4" imgW="965200" imgH="609600" progId="Excel.Sheet.12">
                   <p:embed/>
                   <p:pic>
                     <p:nvPicPr>
@@ -4627,7 +4944,7 @@
                       <p:nvPr/>
                     </p:nvPicPr>
                     <p:blipFill>
-                      <a:blip r:embed="rId4"/>
+                      <a:blip r:embed="rId5"/>
                       <a:stretch>
                         <a:fillRect/>
                       </a:stretch>
@@ -4867,7 +5184,7 @@
           <a:p>
             <a:r>
               <a:rPr lang="en-US" dirty="0"/>
-              <a:t>Gather results and construct portfolio</a:t>
+              <a:t>Construct portfolio and evaluate results</a:t>
             </a:r>
           </a:p>
           <a:p>
@@ -4878,10 +5195,9 @@
           </a:p>
           <a:p>
             <a:r>
-              <a:rPr lang="en-US"/>
+              <a:rPr lang="en-US" dirty="0"/>
               <a:t>Organize GitHub</a:t>
             </a:r>
-            <a:endParaRPr lang="en-US" dirty="0"/>
           </a:p>
         </p:txBody>
       </p:sp>
